--- a/alg2-ex-propostos-3/ex-proposto-5/exercicio5.pptx
+++ b/alg2-ex-propostos-3/ex-proposto-5/exercicio5.pptx
@@ -9633,14 +9633,13 @@
               <a:t>)-</a:t>
             </a:r>
             <a:r>
-              <a:rPr lang="pt-BR" b="0" dirty="0">
+              <a:rPr lang="pt-BR" dirty="0">
                 <a:solidFill>
                   <a:srgbClr val="B5CEA8"/>
                 </a:solidFill>
-                <a:effectLst/>
-                <a:latin typeface="Consolas" panose="020B0609020204030204" pitchFamily="49" charset="0"/>
-              </a:rPr>
-              <a:t>2</a:t>
+                <a:latin typeface="Consolas" panose="020B0609020204030204" pitchFamily="49" charset="0"/>
+              </a:rPr>
+              <a:t>1</a:t>
             </a:r>
             <a:r>
               <a:rPr lang="pt-BR" b="0" dirty="0">
@@ -9745,14 +9744,13 @@
               <a:t>)-</a:t>
             </a:r>
             <a:r>
-              <a:rPr lang="pt-BR" b="0" dirty="0">
+              <a:rPr lang="pt-BR" dirty="0">
                 <a:solidFill>
                   <a:srgbClr val="B5CEA8"/>
                 </a:solidFill>
-                <a:effectLst/>
-                <a:latin typeface="Consolas" panose="020B0609020204030204" pitchFamily="49" charset="0"/>
-              </a:rPr>
-              <a:t>2</a:t>
+                <a:latin typeface="Consolas" panose="020B0609020204030204" pitchFamily="49" charset="0"/>
+              </a:rPr>
+              <a:t>1</a:t>
             </a:r>
             <a:r>
               <a:rPr lang="pt-BR" b="0" dirty="0">
@@ -10339,7 +10337,7 @@
               <a:t>; </a:t>
             </a:r>
             <a:r>
-              <a:rPr lang="pt-BR" b="0" dirty="0">
+              <a:rPr lang="pt-BR" b="0">
                 <a:solidFill>
                   <a:srgbClr val="9CDCFE"/>
                 </a:solidFill>
@@ -10349,333 +10347,313 @@
               <a:t>j</a:t>
             </a:r>
             <a:r>
-              <a:rPr lang="pt-BR" b="0" dirty="0">
-                <a:solidFill>
-                  <a:srgbClr val="D4D4D4"/>
-                </a:solidFill>
-                <a:effectLst/>
-                <a:latin typeface="Consolas" panose="020B0609020204030204" pitchFamily="49" charset="0"/>
-              </a:rPr>
-              <a:t>&lt;=</a:t>
+              <a:rPr lang="pt-BR" b="0">
+                <a:solidFill>
+                  <a:srgbClr val="D4D4D4"/>
+                </a:solidFill>
+                <a:effectLst/>
+                <a:latin typeface="Consolas" panose="020B0609020204030204" pitchFamily="49" charset="0"/>
+              </a:rPr>
+              <a:t>&lt;</a:t>
+            </a:r>
+            <a:r>
+              <a:rPr lang="pt-BR" b="0">
+                <a:solidFill>
+                  <a:srgbClr val="9CDCFE"/>
+                </a:solidFill>
+                <a:effectLst/>
+                <a:latin typeface="Consolas" panose="020B0609020204030204" pitchFamily="49" charset="0"/>
+              </a:rPr>
+              <a:t>tamanhoN</a:t>
+            </a:r>
+            <a:r>
+              <a:rPr lang="pt-BR" b="0" dirty="0">
+                <a:solidFill>
+                  <a:srgbClr val="D4D4D4"/>
+                </a:solidFill>
+                <a:effectLst/>
+                <a:latin typeface="Consolas" panose="020B0609020204030204" pitchFamily="49" charset="0"/>
+              </a:rPr>
+              <a:t>; </a:t>
+            </a:r>
+            <a:r>
+              <a:rPr lang="pt-BR" b="0" dirty="0">
+                <a:solidFill>
+                  <a:srgbClr val="9CDCFE"/>
+                </a:solidFill>
+                <a:effectLst/>
+                <a:latin typeface="Consolas" panose="020B0609020204030204" pitchFamily="49" charset="0"/>
+              </a:rPr>
+              <a:t>j</a:t>
+            </a:r>
+            <a:r>
+              <a:rPr lang="pt-BR" b="0" dirty="0">
+                <a:solidFill>
+                  <a:srgbClr val="D4D4D4"/>
+                </a:solidFill>
+                <a:effectLst/>
+                <a:latin typeface="Consolas" panose="020B0609020204030204" pitchFamily="49" charset="0"/>
+              </a:rPr>
+              <a:t>++){</a:t>
+            </a:r>
+          </a:p>
+          <a:p>
+            <a:r>
+              <a:rPr lang="pt-BR" b="0" dirty="0">
+                <a:solidFill>
+                  <a:srgbClr val="D4D4D4"/>
+                </a:solidFill>
+                <a:effectLst/>
+                <a:latin typeface="Consolas" panose="020B0609020204030204" pitchFamily="49" charset="0"/>
+              </a:rPr>
+              <a:t>            </a:t>
             </a:r>
             <a:r>
               <a:rPr lang="pt-BR" b="0" dirty="0" err="1">
                 <a:solidFill>
+                  <a:srgbClr val="C586C0"/>
+                </a:solidFill>
+                <a:effectLst/>
+                <a:latin typeface="Consolas" panose="020B0609020204030204" pitchFamily="49" charset="0"/>
+              </a:rPr>
+              <a:t>if</a:t>
+            </a:r>
+            <a:r>
+              <a:rPr lang="pt-BR" b="0" dirty="0">
+                <a:solidFill>
+                  <a:srgbClr val="D4D4D4"/>
+                </a:solidFill>
+                <a:effectLst/>
+                <a:latin typeface="Consolas" panose="020B0609020204030204" pitchFamily="49" charset="0"/>
+              </a:rPr>
+              <a:t>(</a:t>
+            </a:r>
+            <a:r>
+              <a:rPr lang="pt-BR" b="0" dirty="0">
+                <a:solidFill>
                   <a:srgbClr val="9CDCFE"/>
                 </a:solidFill>
                 <a:effectLst/>
                 <a:latin typeface="Consolas" panose="020B0609020204030204" pitchFamily="49" charset="0"/>
               </a:rPr>
+              <a:t>m</a:t>
+            </a:r>
+            <a:r>
+              <a:rPr lang="pt-BR" b="0" dirty="0">
+                <a:solidFill>
+                  <a:srgbClr val="D4D4D4"/>
+                </a:solidFill>
+                <a:effectLst/>
+                <a:latin typeface="Consolas" panose="020B0609020204030204" pitchFamily="49" charset="0"/>
+              </a:rPr>
+              <a:t>[</a:t>
+            </a:r>
+            <a:r>
+              <a:rPr lang="pt-BR" b="0" dirty="0" err="1">
+                <a:solidFill>
+                  <a:srgbClr val="9CDCFE"/>
+                </a:solidFill>
+                <a:effectLst/>
+                <a:latin typeface="Consolas" panose="020B0609020204030204" pitchFamily="49" charset="0"/>
+              </a:rPr>
+              <a:t>i</a:t>
+            </a:r>
+            <a:r>
+              <a:rPr lang="pt-BR" b="0" dirty="0" err="1">
+                <a:solidFill>
+                  <a:srgbClr val="D4D4D4"/>
+                </a:solidFill>
+                <a:effectLst/>
+                <a:latin typeface="Consolas" panose="020B0609020204030204" pitchFamily="49" charset="0"/>
+              </a:rPr>
+              <a:t>+</a:t>
+            </a:r>
+            <a:r>
+              <a:rPr lang="pt-BR" b="0" dirty="0" err="1">
+                <a:solidFill>
+                  <a:srgbClr val="9CDCFE"/>
+                </a:solidFill>
+                <a:effectLst/>
+                <a:latin typeface="Consolas" panose="020B0609020204030204" pitchFamily="49" charset="0"/>
+              </a:rPr>
+              <a:t>j</a:t>
+            </a:r>
+            <a:r>
+              <a:rPr lang="pt-BR" b="0" dirty="0">
+                <a:solidFill>
+                  <a:srgbClr val="D4D4D4"/>
+                </a:solidFill>
+                <a:effectLst/>
+                <a:latin typeface="Consolas" panose="020B0609020204030204" pitchFamily="49" charset="0"/>
+              </a:rPr>
+              <a:t>] == </a:t>
+            </a:r>
+            <a:r>
+              <a:rPr lang="pt-BR" b="0" dirty="0">
+                <a:solidFill>
+                  <a:srgbClr val="9CDCFE"/>
+                </a:solidFill>
+                <a:effectLst/>
+                <a:latin typeface="Consolas" panose="020B0609020204030204" pitchFamily="49" charset="0"/>
+              </a:rPr>
+              <a:t>n</a:t>
+            </a:r>
+            <a:r>
+              <a:rPr lang="pt-BR" b="0" dirty="0">
+                <a:solidFill>
+                  <a:srgbClr val="D4D4D4"/>
+                </a:solidFill>
+                <a:effectLst/>
+                <a:latin typeface="Consolas" panose="020B0609020204030204" pitchFamily="49" charset="0"/>
+              </a:rPr>
+              <a:t>[</a:t>
+            </a:r>
+            <a:r>
+              <a:rPr lang="pt-BR" b="0" dirty="0">
+                <a:solidFill>
+                  <a:srgbClr val="9CDCFE"/>
+                </a:solidFill>
+                <a:effectLst/>
+                <a:latin typeface="Consolas" panose="020B0609020204030204" pitchFamily="49" charset="0"/>
+              </a:rPr>
+              <a:t>j</a:t>
+            </a:r>
+            <a:r>
+              <a:rPr lang="pt-BR" b="0" dirty="0">
+                <a:solidFill>
+                  <a:srgbClr val="D4D4D4"/>
+                </a:solidFill>
+                <a:effectLst/>
+                <a:latin typeface="Consolas" panose="020B0609020204030204" pitchFamily="49" charset="0"/>
+              </a:rPr>
+              <a:t>]){</a:t>
+            </a:r>
+          </a:p>
+          <a:p>
+            <a:r>
+              <a:rPr lang="pt-BR" b="0" dirty="0">
+                <a:solidFill>
+                  <a:srgbClr val="D4D4D4"/>
+                </a:solidFill>
+                <a:effectLst/>
+                <a:latin typeface="Consolas" panose="020B0609020204030204" pitchFamily="49" charset="0"/>
+              </a:rPr>
+              <a:t>                </a:t>
+            </a:r>
+            <a:r>
+              <a:rPr lang="pt-BR" b="0" dirty="0">
+                <a:solidFill>
+                  <a:srgbClr val="9CDCFE"/>
+                </a:solidFill>
+                <a:effectLst/>
+                <a:latin typeface="Consolas" panose="020B0609020204030204" pitchFamily="49" charset="0"/>
+              </a:rPr>
+              <a:t>aparece</a:t>
+            </a:r>
+            <a:r>
+              <a:rPr lang="pt-BR" b="0" dirty="0">
+                <a:solidFill>
+                  <a:srgbClr val="D4D4D4"/>
+                </a:solidFill>
+                <a:effectLst/>
+                <a:latin typeface="Consolas" panose="020B0609020204030204" pitchFamily="49" charset="0"/>
+              </a:rPr>
+              <a:t>++;</a:t>
+            </a:r>
+          </a:p>
+          <a:p>
+            <a:r>
+              <a:rPr lang="pt-BR" b="0" dirty="0">
+                <a:solidFill>
+                  <a:srgbClr val="D4D4D4"/>
+                </a:solidFill>
+                <a:effectLst/>
+                <a:latin typeface="Consolas" panose="020B0609020204030204" pitchFamily="49" charset="0"/>
+              </a:rPr>
+              <a:t>            }</a:t>
+            </a:r>
+          </a:p>
+          <a:p>
+            <a:r>
+              <a:rPr lang="pt-BR" b="0" dirty="0">
+                <a:solidFill>
+                  <a:srgbClr val="D4D4D4"/>
+                </a:solidFill>
+                <a:effectLst/>
+                <a:latin typeface="Consolas" panose="020B0609020204030204" pitchFamily="49" charset="0"/>
+              </a:rPr>
+              <a:t>        }</a:t>
+            </a:r>
+          </a:p>
+          <a:p>
+            <a:br>
+              <a:rPr lang="pt-BR" b="0" dirty="0">
+                <a:solidFill>
+                  <a:srgbClr val="D4D4D4"/>
+                </a:solidFill>
+                <a:effectLst/>
+                <a:latin typeface="Consolas" panose="020B0609020204030204" pitchFamily="49" charset="0"/>
+              </a:rPr>
+            </a:br>
+            <a:r>
+              <a:rPr lang="pt-BR" b="0" dirty="0">
+                <a:solidFill>
+                  <a:srgbClr val="D4D4D4"/>
+                </a:solidFill>
+                <a:effectLst/>
+                <a:latin typeface="Consolas" panose="020B0609020204030204" pitchFamily="49" charset="0"/>
+              </a:rPr>
+              <a:t>        </a:t>
+            </a:r>
+            <a:r>
+              <a:rPr lang="pt-BR" b="0" dirty="0" err="1">
+                <a:solidFill>
+                  <a:srgbClr val="C586C0"/>
+                </a:solidFill>
+                <a:effectLst/>
+                <a:latin typeface="Consolas" panose="020B0609020204030204" pitchFamily="49" charset="0"/>
+              </a:rPr>
+              <a:t>if</a:t>
+            </a:r>
+            <a:r>
+              <a:rPr lang="pt-BR" b="0" dirty="0">
+                <a:solidFill>
+                  <a:srgbClr val="D4D4D4"/>
+                </a:solidFill>
+                <a:effectLst/>
+                <a:latin typeface="Consolas" panose="020B0609020204030204" pitchFamily="49" charset="0"/>
+              </a:rPr>
+              <a:t>(</a:t>
+            </a:r>
+            <a:r>
+              <a:rPr lang="pt-BR" b="0" dirty="0">
+                <a:solidFill>
+                  <a:srgbClr val="9CDCFE"/>
+                </a:solidFill>
+                <a:effectLst/>
+                <a:latin typeface="Consolas" panose="020B0609020204030204" pitchFamily="49" charset="0"/>
+              </a:rPr>
+              <a:t>aparece</a:t>
+            </a:r>
+            <a:r>
+              <a:rPr lang="pt-BR" b="0" dirty="0">
+                <a:solidFill>
+                  <a:srgbClr val="D4D4D4"/>
+                </a:solidFill>
+                <a:effectLst/>
+                <a:latin typeface="Consolas" panose="020B0609020204030204" pitchFamily="49" charset="0"/>
+              </a:rPr>
+              <a:t> == </a:t>
+            </a:r>
+            <a:r>
+              <a:rPr lang="pt-BR" b="0" dirty="0" err="1">
+                <a:solidFill>
+                  <a:srgbClr val="9CDCFE"/>
+                </a:solidFill>
+                <a:effectLst/>
+                <a:latin typeface="Consolas" panose="020B0609020204030204" pitchFamily="49" charset="0"/>
+              </a:rPr>
               <a:t>tamanhoN</a:t>
-            </a:r>
-            <a:r>
-              <a:rPr lang="pt-BR" b="0" dirty="0">
-                <a:solidFill>
-                  <a:srgbClr val="D4D4D4"/>
-                </a:solidFill>
-                <a:effectLst/>
-                <a:latin typeface="Consolas" panose="020B0609020204030204" pitchFamily="49" charset="0"/>
-              </a:rPr>
-              <a:t>; </a:t>
-            </a:r>
-            <a:r>
-              <a:rPr lang="pt-BR" b="0" dirty="0">
-                <a:solidFill>
-                  <a:srgbClr val="9CDCFE"/>
-                </a:solidFill>
-                <a:effectLst/>
-                <a:latin typeface="Consolas" panose="020B0609020204030204" pitchFamily="49" charset="0"/>
-              </a:rPr>
-              <a:t>j</a:t>
-            </a:r>
-            <a:r>
-              <a:rPr lang="pt-BR" b="0" dirty="0">
-                <a:solidFill>
-                  <a:srgbClr val="D4D4D4"/>
-                </a:solidFill>
-                <a:effectLst/>
-                <a:latin typeface="Consolas" panose="020B0609020204030204" pitchFamily="49" charset="0"/>
-              </a:rPr>
-              <a:t>++){</a:t>
-            </a:r>
-          </a:p>
-          <a:p>
-            <a:r>
-              <a:rPr lang="pt-BR" b="0" dirty="0">
-                <a:solidFill>
-                  <a:srgbClr val="D4D4D4"/>
-                </a:solidFill>
-                <a:effectLst/>
-                <a:latin typeface="Consolas" panose="020B0609020204030204" pitchFamily="49" charset="0"/>
-              </a:rPr>
-              <a:t>            </a:t>
-            </a:r>
-            <a:r>
-              <a:rPr lang="pt-BR" b="0" dirty="0" err="1">
-                <a:solidFill>
-                  <a:srgbClr val="C586C0"/>
-                </a:solidFill>
-                <a:effectLst/>
-                <a:latin typeface="Consolas" panose="020B0609020204030204" pitchFamily="49" charset="0"/>
-              </a:rPr>
-              <a:t>if</a:t>
-            </a:r>
-            <a:r>
-              <a:rPr lang="pt-BR" b="0" dirty="0">
-                <a:solidFill>
-                  <a:srgbClr val="D4D4D4"/>
-                </a:solidFill>
-                <a:effectLst/>
-                <a:latin typeface="Consolas" panose="020B0609020204030204" pitchFamily="49" charset="0"/>
-              </a:rPr>
-              <a:t>(</a:t>
-            </a:r>
-            <a:r>
-              <a:rPr lang="pt-BR" b="0" dirty="0">
-                <a:solidFill>
-                  <a:srgbClr val="9CDCFE"/>
-                </a:solidFill>
-                <a:effectLst/>
-                <a:latin typeface="Consolas" panose="020B0609020204030204" pitchFamily="49" charset="0"/>
-              </a:rPr>
-              <a:t>m</a:t>
-            </a:r>
-            <a:r>
-              <a:rPr lang="pt-BR" b="0" dirty="0">
-                <a:solidFill>
-                  <a:srgbClr val="D4D4D4"/>
-                </a:solidFill>
-                <a:effectLst/>
-                <a:latin typeface="Consolas" panose="020B0609020204030204" pitchFamily="49" charset="0"/>
-              </a:rPr>
-              <a:t>[</a:t>
-            </a:r>
-            <a:r>
-              <a:rPr lang="pt-BR" b="0" dirty="0" err="1">
-                <a:solidFill>
-                  <a:srgbClr val="9CDCFE"/>
-                </a:solidFill>
-                <a:effectLst/>
-                <a:latin typeface="Consolas" panose="020B0609020204030204" pitchFamily="49" charset="0"/>
-              </a:rPr>
-              <a:t>i</a:t>
-            </a:r>
-            <a:r>
-              <a:rPr lang="pt-BR" b="0" dirty="0" err="1">
-                <a:solidFill>
-                  <a:srgbClr val="D4D4D4"/>
-                </a:solidFill>
-                <a:effectLst/>
-                <a:latin typeface="Consolas" panose="020B0609020204030204" pitchFamily="49" charset="0"/>
-              </a:rPr>
-              <a:t>+</a:t>
-            </a:r>
-            <a:r>
-              <a:rPr lang="pt-BR" b="0" dirty="0" err="1">
-                <a:solidFill>
-                  <a:srgbClr val="9CDCFE"/>
-                </a:solidFill>
-                <a:effectLst/>
-                <a:latin typeface="Consolas" panose="020B0609020204030204" pitchFamily="49" charset="0"/>
-              </a:rPr>
-              <a:t>j</a:t>
-            </a:r>
-            <a:r>
-              <a:rPr lang="pt-BR" b="0" dirty="0">
-                <a:solidFill>
-                  <a:srgbClr val="D4D4D4"/>
-                </a:solidFill>
-                <a:effectLst/>
-                <a:latin typeface="Consolas" panose="020B0609020204030204" pitchFamily="49" charset="0"/>
-              </a:rPr>
-              <a:t>] == </a:t>
-            </a:r>
-            <a:r>
-              <a:rPr lang="pt-BR" b="0" dirty="0">
-                <a:solidFill>
-                  <a:srgbClr val="9CDCFE"/>
-                </a:solidFill>
-                <a:effectLst/>
-                <a:latin typeface="Consolas" panose="020B0609020204030204" pitchFamily="49" charset="0"/>
-              </a:rPr>
-              <a:t>n</a:t>
-            </a:r>
-            <a:r>
-              <a:rPr lang="pt-BR" b="0" dirty="0">
-                <a:solidFill>
-                  <a:srgbClr val="D4D4D4"/>
-                </a:solidFill>
-                <a:effectLst/>
-                <a:latin typeface="Consolas" panose="020B0609020204030204" pitchFamily="49" charset="0"/>
-              </a:rPr>
-              <a:t>[</a:t>
-            </a:r>
-            <a:r>
-              <a:rPr lang="pt-BR" b="0" dirty="0">
-                <a:solidFill>
-                  <a:srgbClr val="9CDCFE"/>
-                </a:solidFill>
-                <a:effectLst/>
-                <a:latin typeface="Consolas" panose="020B0609020204030204" pitchFamily="49" charset="0"/>
-              </a:rPr>
-              <a:t>j</a:t>
-            </a:r>
-            <a:r>
-              <a:rPr lang="pt-BR" b="0" dirty="0">
-                <a:solidFill>
-                  <a:srgbClr val="D4D4D4"/>
-                </a:solidFill>
-                <a:effectLst/>
-                <a:latin typeface="Consolas" panose="020B0609020204030204" pitchFamily="49" charset="0"/>
-              </a:rPr>
-              <a:t>]){</a:t>
-            </a:r>
-          </a:p>
-          <a:p>
-            <a:r>
-              <a:rPr lang="pt-BR" b="0" dirty="0">
-                <a:solidFill>
-                  <a:srgbClr val="D4D4D4"/>
-                </a:solidFill>
-                <a:effectLst/>
-                <a:latin typeface="Consolas" panose="020B0609020204030204" pitchFamily="49" charset="0"/>
-              </a:rPr>
-              <a:t>                </a:t>
-            </a:r>
-            <a:r>
-              <a:rPr lang="pt-BR" b="0" dirty="0">
-                <a:solidFill>
-                  <a:srgbClr val="9CDCFE"/>
-                </a:solidFill>
-                <a:effectLst/>
-                <a:latin typeface="Consolas" panose="020B0609020204030204" pitchFamily="49" charset="0"/>
-              </a:rPr>
-              <a:t>aparece</a:t>
-            </a:r>
-            <a:r>
-              <a:rPr lang="pt-BR" b="0" dirty="0">
-                <a:solidFill>
-                  <a:srgbClr val="D4D4D4"/>
-                </a:solidFill>
-                <a:effectLst/>
-                <a:latin typeface="Consolas" panose="020B0609020204030204" pitchFamily="49" charset="0"/>
-              </a:rPr>
-              <a:t>++;</a:t>
-            </a:r>
-          </a:p>
-          <a:p>
-            <a:r>
-              <a:rPr lang="pt-BR" b="0" dirty="0">
-                <a:solidFill>
-                  <a:srgbClr val="D4D4D4"/>
-                </a:solidFill>
-                <a:effectLst/>
-                <a:latin typeface="Consolas" panose="020B0609020204030204" pitchFamily="49" charset="0"/>
-              </a:rPr>
-              <a:t>            }</a:t>
-            </a:r>
-          </a:p>
-          <a:p>
-            <a:r>
-              <a:rPr lang="pt-BR" b="0" dirty="0">
-                <a:solidFill>
-                  <a:srgbClr val="D4D4D4"/>
-                </a:solidFill>
-                <a:effectLst/>
-                <a:latin typeface="Consolas" panose="020B0609020204030204" pitchFamily="49" charset="0"/>
-              </a:rPr>
-              <a:t>        }</a:t>
-            </a:r>
-          </a:p>
-          <a:p>
-            <a:br>
-              <a:rPr lang="pt-BR" b="0" dirty="0">
-                <a:solidFill>
-                  <a:srgbClr val="D4D4D4"/>
-                </a:solidFill>
-                <a:effectLst/>
-                <a:latin typeface="Consolas" panose="020B0609020204030204" pitchFamily="49" charset="0"/>
-              </a:rPr>
-            </a:br>
-            <a:r>
-              <a:rPr lang="pt-BR" b="0" dirty="0">
-                <a:solidFill>
-                  <a:srgbClr val="D4D4D4"/>
-                </a:solidFill>
-                <a:effectLst/>
-                <a:latin typeface="Consolas" panose="020B0609020204030204" pitchFamily="49" charset="0"/>
-              </a:rPr>
-              <a:t>        </a:t>
-            </a:r>
-            <a:r>
-              <a:rPr lang="pt-BR" b="0" dirty="0" err="1">
-                <a:solidFill>
-                  <a:srgbClr val="C586C0"/>
-                </a:solidFill>
-                <a:effectLst/>
-                <a:latin typeface="Consolas" panose="020B0609020204030204" pitchFamily="49" charset="0"/>
-              </a:rPr>
-              <a:t>if</a:t>
-            </a:r>
-            <a:r>
-              <a:rPr lang="pt-BR" b="0" dirty="0">
-                <a:solidFill>
-                  <a:srgbClr val="D4D4D4"/>
-                </a:solidFill>
-                <a:effectLst/>
-                <a:latin typeface="Consolas" panose="020B0609020204030204" pitchFamily="49" charset="0"/>
-              </a:rPr>
-              <a:t>(</a:t>
-            </a:r>
-            <a:r>
-              <a:rPr lang="pt-BR" b="0" dirty="0">
-                <a:solidFill>
-                  <a:srgbClr val="9CDCFE"/>
-                </a:solidFill>
-                <a:effectLst/>
-                <a:latin typeface="Consolas" panose="020B0609020204030204" pitchFamily="49" charset="0"/>
-              </a:rPr>
-              <a:t>aparece</a:t>
-            </a:r>
-            <a:r>
-              <a:rPr lang="pt-BR" b="0" dirty="0">
-                <a:solidFill>
-                  <a:srgbClr val="D4D4D4"/>
-                </a:solidFill>
-                <a:effectLst/>
-                <a:latin typeface="Consolas" panose="020B0609020204030204" pitchFamily="49" charset="0"/>
-              </a:rPr>
-              <a:t> == </a:t>
-            </a:r>
-            <a:r>
-              <a:rPr lang="pt-BR" b="0" dirty="0">
-                <a:solidFill>
-                  <a:srgbClr val="9CDCFE"/>
-                </a:solidFill>
-                <a:effectLst/>
-                <a:latin typeface="Consolas" panose="020B0609020204030204" pitchFamily="49" charset="0"/>
-              </a:rPr>
-              <a:t>tamanhoN</a:t>
-            </a:r>
-            <a:r>
-              <a:rPr lang="pt-BR" b="0" dirty="0">
-                <a:solidFill>
-                  <a:srgbClr val="D4D4D4"/>
-                </a:solidFill>
-                <a:effectLst/>
-                <a:latin typeface="Consolas" panose="020B0609020204030204" pitchFamily="49" charset="0"/>
-              </a:rPr>
-              <a:t>+</a:t>
-            </a:r>
-            <a:r>
-              <a:rPr lang="pt-BR" b="0" dirty="0">
-                <a:solidFill>
-                  <a:srgbClr val="B5CEA8"/>
-                </a:solidFill>
-                <a:effectLst/>
-                <a:latin typeface="Consolas" panose="020B0609020204030204" pitchFamily="49" charset="0"/>
-              </a:rPr>
-              <a:t>1</a:t>
             </a:r>
             <a:r>
               <a:rPr lang="pt-BR" b="0" dirty="0">
